--- a/第三章-空间数据读写与解析-8学时/第2节-栅格数据读写及查看-4课时.pptx
+++ b/第三章-空间数据读写与解析-8学时/第2节-栅格数据读写及查看-4课时.pptx
@@ -6,10 +6,10 @@
     <p:sldMasterId id="2147484986" r:id="rId2"/>
   </p:sldMasterIdLst>
   <p:notesMasterIdLst>
-    <p:notesMasterId r:id="rId14"/>
+    <p:notesMasterId r:id="rId13"/>
   </p:notesMasterIdLst>
   <p:handoutMasterIdLst>
-    <p:handoutMasterId r:id="rId15"/>
+    <p:handoutMasterId r:id="rId14"/>
   </p:handoutMasterIdLst>
   <p:sldIdLst>
     <p:sldId id="2708" r:id="rId3"/>
@@ -21,13 +21,12 @@
     <p:sldId id="2709" r:id="rId9"/>
     <p:sldId id="2771" r:id="rId10"/>
     <p:sldId id="2773" r:id="rId11"/>
-    <p:sldId id="2769" r:id="rId12"/>
-    <p:sldId id="2760" r:id="rId13"/>
+    <p:sldId id="2760" r:id="rId12"/>
   </p:sldIdLst>
   <p:sldSz cx="9144000" cy="6858000" type="screen4x3"/>
   <p:notesSz cx="7099300" cy="10234613"/>
   <p:custDataLst>
-    <p:tags r:id="rId16"/>
+    <p:tags r:id="rId15"/>
   </p:custDataLst>
   <p:defaultTextStyle>
     <a:defPPr>
@@ -441,7 +440,7 @@
 <file path=ppt/revisionInfo.xml><?xml version="1.0" encoding="utf-8"?>
 <p1510:revInfo xmlns:a="http://schemas.openxmlformats.org/drawingml/2006/main" xmlns:r="http://schemas.openxmlformats.org/officeDocument/2006/relationships" xmlns:p1510="http://schemas.microsoft.com/office/powerpoint/2015/10/main">
   <p1510:revLst>
-    <p1510:client id="{154DC03C-8207-8749-BAA3-4731FAC10457}" v="12" dt="2024-04-21T10:40:11.406"/>
+    <p1510:client id="{154DC03C-8207-8749-BAA3-4731FAC10457}" v="18" dt="2024-04-22T07:42:31.278"/>
     <p1510:client id="{187D5BF7-97E8-7843-9DA0-39A524779207}" v="34" dt="2024-04-21T08:30:27.887"/>
     <p1510:client id="{B3A5D6E2-E1E7-F74F-B1B9-B3FB273062A8}" v="355" dt="2024-04-21T15:23:53.965"/>
   </p1510:revLst>
@@ -453,7 +452,7 @@
   <pc:docChgLst>
     <pc:chgData name="Xin Luo" userId="82312ee5779919a4" providerId="LiveId" clId="{154DC03C-8207-8749-BAA3-4731FAC10457}"/>
     <pc:docChg chg="undo custSel addSld delSld modSld">
-      <pc:chgData name="Xin Luo" userId="82312ee5779919a4" providerId="LiveId" clId="{154DC03C-8207-8749-BAA3-4731FAC10457}" dt="2024-04-21T10:51:16.784" v="687" actId="20577"/>
+      <pc:chgData name="Xin Luo" userId="82312ee5779919a4" providerId="LiveId" clId="{154DC03C-8207-8749-BAA3-4731FAC10457}" dt="2024-04-22T07:42:31.278" v="1124"/>
       <pc:docMkLst>
         <pc:docMk/>
       </pc:docMkLst>
@@ -526,11 +525,19 @@
         </pc:spChg>
       </pc:sldChg>
       <pc:sldChg chg="addSp delSp modSp mod">
-        <pc:chgData name="Xin Luo" userId="82312ee5779919a4" providerId="LiveId" clId="{154DC03C-8207-8749-BAA3-4731FAC10457}" dt="2024-04-21T10:32:35.072" v="328"/>
+        <pc:chgData name="Xin Luo" userId="82312ee5779919a4" providerId="LiveId" clId="{154DC03C-8207-8749-BAA3-4731FAC10457}" dt="2024-04-22T07:42:31.278" v="1124"/>
         <pc:sldMkLst>
           <pc:docMk/>
           <pc:sldMk cId="3833073590" sldId="2716"/>
         </pc:sldMkLst>
+        <pc:spChg chg="add mod">
+          <ac:chgData name="Xin Luo" userId="82312ee5779919a4" providerId="LiveId" clId="{154DC03C-8207-8749-BAA3-4731FAC10457}" dt="2024-04-22T07:42:31.278" v="1124"/>
+          <ac:spMkLst>
+            <pc:docMk/>
+            <pc:sldMk cId="3833073590" sldId="2716"/>
+            <ac:spMk id="2" creationId="{5FE8BD3C-20E6-5321-6434-BF5E03FF38C3}"/>
+          </ac:spMkLst>
+        </pc:spChg>
         <pc:spChg chg="mod">
           <ac:chgData name="Xin Luo" userId="82312ee5779919a4" providerId="LiveId" clId="{154DC03C-8207-8749-BAA3-4731FAC10457}" dt="2024-04-21T10:11:12.438" v="165" actId="20577"/>
           <ac:spMkLst>
@@ -612,6 +619,21 @@
           </ac:picMkLst>
         </pc:picChg>
       </pc:sldChg>
+      <pc:sldChg chg="modSp mod">
+        <pc:chgData name="Xin Luo" userId="82312ee5779919a4" providerId="LiveId" clId="{154DC03C-8207-8749-BAA3-4731FAC10457}" dt="2024-04-22T05:27:59.833" v="998" actId="20577"/>
+        <pc:sldMkLst>
+          <pc:docMk/>
+          <pc:sldMk cId="1125183986" sldId="2760"/>
+        </pc:sldMkLst>
+        <pc:spChg chg="mod">
+          <ac:chgData name="Xin Luo" userId="82312ee5779919a4" providerId="LiveId" clId="{154DC03C-8207-8749-BAA3-4731FAC10457}" dt="2024-04-22T05:27:59.833" v="998" actId="20577"/>
+          <ac:spMkLst>
+            <pc:docMk/>
+            <pc:sldMk cId="1125183986" sldId="2760"/>
+            <ac:spMk id="13" creationId="{303BC878-BC57-D350-27A3-F03AE48213AC}"/>
+          </ac:spMkLst>
+        </pc:spChg>
+      </pc:sldChg>
       <pc:sldChg chg="del">
         <pc:chgData name="Xin Luo" userId="82312ee5779919a4" providerId="LiveId" clId="{154DC03C-8207-8749-BAA3-4731FAC10457}" dt="2024-04-21T10:36:34.049" v="487" actId="2696"/>
         <pc:sldMkLst>
@@ -654,8 +676,8 @@
           <pc:sldMk cId="1433751529" sldId="2768"/>
         </pc:sldMkLst>
       </pc:sldChg>
-      <pc:sldChg chg="modSp mod">
-        <pc:chgData name="Xin Luo" userId="82312ee5779919a4" providerId="LiveId" clId="{154DC03C-8207-8749-BAA3-4731FAC10457}" dt="2024-04-21T10:51:16.784" v="687" actId="20577"/>
+      <pc:sldChg chg="modSp del mod">
+        <pc:chgData name="Xin Luo" userId="82312ee5779919a4" providerId="LiveId" clId="{154DC03C-8207-8749-BAA3-4731FAC10457}" dt="2024-04-22T07:28:17.167" v="1097" actId="2696"/>
         <pc:sldMkLst>
           <pc:docMk/>
           <pc:sldMk cId="2446013301" sldId="2769"/>
@@ -677,11 +699,19 @@
         </pc:sldMkLst>
       </pc:sldChg>
       <pc:sldChg chg="addSp delSp modSp add mod">
-        <pc:chgData name="Xin Luo" userId="82312ee5779919a4" providerId="LiveId" clId="{154DC03C-8207-8749-BAA3-4731FAC10457}" dt="2024-04-21T10:50:28.459" v="683" actId="1076"/>
+        <pc:chgData name="Xin Luo" userId="82312ee5779919a4" providerId="LiveId" clId="{154DC03C-8207-8749-BAA3-4731FAC10457}" dt="2024-04-22T07:42:23.582" v="1123" actId="1076"/>
         <pc:sldMkLst>
           <pc:docMk/>
           <pc:sldMk cId="622579861" sldId="2771"/>
         </pc:sldMkLst>
+        <pc:spChg chg="add mod">
+          <ac:chgData name="Xin Luo" userId="82312ee5779919a4" providerId="LiveId" clId="{154DC03C-8207-8749-BAA3-4731FAC10457}" dt="2024-04-22T07:42:23.582" v="1123" actId="1076"/>
+          <ac:spMkLst>
+            <pc:docMk/>
+            <pc:sldMk cId="622579861" sldId="2771"/>
+            <ac:spMk id="2" creationId="{23E7EDF1-1D74-6866-01CE-D36123EA1FE1}"/>
+          </ac:spMkLst>
+        </pc:spChg>
         <pc:spChg chg="mod">
           <ac:chgData name="Xin Luo" userId="82312ee5779919a4" providerId="LiveId" clId="{154DC03C-8207-8749-BAA3-4731FAC10457}" dt="2024-04-21T10:37:01.578" v="518" actId="20577"/>
           <ac:spMkLst>
@@ -731,7 +761,7 @@
           </ac:picMkLst>
         </pc:picChg>
         <pc:picChg chg="add mod">
-          <ac:chgData name="Xin Luo" userId="82312ee5779919a4" providerId="LiveId" clId="{154DC03C-8207-8749-BAA3-4731FAC10457}" dt="2024-04-21T10:40:27.033" v="565" actId="1076"/>
+          <ac:chgData name="Xin Luo" userId="82312ee5779919a4" providerId="LiveId" clId="{154DC03C-8207-8749-BAA3-4731FAC10457}" dt="2024-04-22T07:42:17.254" v="1122" actId="1076"/>
           <ac:picMkLst>
             <pc:docMk/>
             <pc:sldMk cId="622579861" sldId="2771"/>
@@ -833,11 +863,71 @@
           </ac:picMkLst>
         </pc:picChg>
       </pc:sldChg>
+      <pc:sldChg chg="addSp modSp mod">
+        <pc:chgData name="Xin Luo" userId="82312ee5779919a4" providerId="LiveId" clId="{154DC03C-8207-8749-BAA3-4731FAC10457}" dt="2024-04-22T07:41:47.917" v="1104"/>
+        <pc:sldMkLst>
+          <pc:docMk/>
+          <pc:sldMk cId="997485932" sldId="2773"/>
+        </pc:sldMkLst>
+        <pc:spChg chg="add mod">
+          <ac:chgData name="Xin Luo" userId="82312ee5779919a4" providerId="LiveId" clId="{154DC03C-8207-8749-BAA3-4731FAC10457}" dt="2024-04-22T07:41:47.917" v="1104"/>
+          <ac:spMkLst>
+            <pc:docMk/>
+            <pc:sldMk cId="997485932" sldId="2773"/>
+            <ac:spMk id="2" creationId="{93223DBD-6819-71BF-CDCA-2A5B1C0B1013}"/>
+          </ac:spMkLst>
+        </pc:spChg>
+        <pc:spChg chg="mod">
+          <ac:chgData name="Xin Luo" userId="82312ee5779919a4" providerId="LiveId" clId="{154DC03C-8207-8749-BAA3-4731FAC10457}" dt="2024-04-22T07:28:04.726" v="1096" actId="20577"/>
+          <ac:spMkLst>
+            <pc:docMk/>
+            <pc:sldMk cId="997485932" sldId="2773"/>
+            <ac:spMk id="6" creationId="{6741FEA2-C046-FD82-2800-2CB513792080}"/>
+          </ac:spMkLst>
+        </pc:spChg>
+      </pc:sldChg>
       <pc:sldChg chg="add del">
         <pc:chgData name="Xin Luo" userId="82312ee5779919a4" providerId="LiveId" clId="{154DC03C-8207-8749-BAA3-4731FAC10457}" dt="2024-04-21T10:34:46.151" v="426"/>
         <pc:sldMkLst>
           <pc:docMk/>
           <pc:sldMk cId="1704883365" sldId="2773"/>
+        </pc:sldMkLst>
+      </pc:sldChg>
+      <pc:sldChg chg="modSp mod">
+        <pc:chgData name="Xin Luo" userId="82312ee5779919a4" providerId="LiveId" clId="{154DC03C-8207-8749-BAA3-4731FAC10457}" dt="2024-04-22T07:41:32.368" v="1103" actId="113"/>
+        <pc:sldMkLst>
+          <pc:docMk/>
+          <pc:sldMk cId="3758895271" sldId="2774"/>
+        </pc:sldMkLst>
+        <pc:spChg chg="mod">
+          <ac:chgData name="Xin Luo" userId="82312ee5779919a4" providerId="LiveId" clId="{154DC03C-8207-8749-BAA3-4731FAC10457}" dt="2024-04-22T07:41:32.368" v="1103" actId="113"/>
+          <ac:spMkLst>
+            <pc:docMk/>
+            <pc:sldMk cId="3758895271" sldId="2774"/>
+            <ac:spMk id="6" creationId="{6741FEA2-C046-FD82-2800-2CB513792080}"/>
+          </ac:spMkLst>
+        </pc:spChg>
+      </pc:sldChg>
+      <pc:sldChg chg="modSp add del mod">
+        <pc:chgData name="Xin Luo" userId="82312ee5779919a4" providerId="LiveId" clId="{154DC03C-8207-8749-BAA3-4731FAC10457}" dt="2024-04-22T07:28:17.168" v="1098" actId="2696"/>
+        <pc:sldMkLst>
+          <pc:docMk/>
+          <pc:sldMk cId="2438018305" sldId="2776"/>
+        </pc:sldMkLst>
+        <pc:spChg chg="mod">
+          <ac:chgData name="Xin Luo" userId="82312ee5779919a4" providerId="LiveId" clId="{154DC03C-8207-8749-BAA3-4731FAC10457}" dt="2024-04-22T05:57:18.484" v="1019" actId="20577"/>
+          <ac:spMkLst>
+            <pc:docMk/>
+            <pc:sldMk cId="2438018305" sldId="2776"/>
+            <ac:spMk id="6" creationId="{6741FEA2-C046-FD82-2800-2CB513792080}"/>
+          </ac:spMkLst>
+        </pc:spChg>
+      </pc:sldChg>
+      <pc:sldChg chg="add del">
+        <pc:chgData name="Xin Luo" userId="82312ee5779919a4" providerId="LiveId" clId="{154DC03C-8207-8749-BAA3-4731FAC10457}" dt="2024-04-22T07:41:58.380" v="1106"/>
+        <pc:sldMkLst>
+          <pc:docMk/>
+          <pc:sldMk cId="3816748221" sldId="2776"/>
         </pc:sldMkLst>
       </pc:sldChg>
     </pc:docChg>
@@ -8680,67 +8770,6 @@
 </file>
 
 <file path=ppt/notesSlides/notesSlide10.xml><?xml version="1.0" encoding="utf-8"?>
-<p:notes xmlns:a="http://schemas.openxmlformats.org/drawingml/2006/main" xmlns:r="http://schemas.openxmlformats.org/officeDocument/2006/relationships" xmlns:p="http://schemas.openxmlformats.org/presentationml/2006/main">
-  <p:cSld>
-    <p:spTree>
-      <p:nvGrpSpPr>
-        <p:cNvPr id="1" name=""/>
-        <p:cNvGrpSpPr/>
-        <p:nvPr/>
-      </p:nvGrpSpPr>
-      <p:grpSpPr>
-        <a:xfrm>
-          <a:off x="0" y="0"/>
-          <a:ext cx="0" cy="0"/>
-          <a:chOff x="0" y="0"/>
-          <a:chExt cx="0" cy="0"/>
-        </a:xfrm>
-      </p:grpSpPr>
-      <p:sp>
-        <p:nvSpPr>
-          <p:cNvPr id="2" name="幻灯片图像占位符 1"/>
-          <p:cNvSpPr>
-            <a:spLocks noGrp="1" noRot="1" noChangeAspect="1"/>
-          </p:cNvSpPr>
-          <p:nvPr>
-            <p:ph type="sldImg"/>
-          </p:nvPr>
-        </p:nvSpPr>
-        <p:spPr/>
-      </p:sp>
-      <p:sp>
-        <p:nvSpPr>
-          <p:cNvPr id="3" name="备注占位符 2"/>
-          <p:cNvSpPr>
-            <a:spLocks noGrp="1"/>
-          </p:cNvSpPr>
-          <p:nvPr>
-            <p:ph type="body" idx="1"/>
-          </p:nvPr>
-        </p:nvSpPr>
-        <p:spPr/>
-        <p:txBody>
-          <a:bodyPr/>
-          <a:lstStyle/>
-          <a:p>
-            <a:endParaRPr lang="zh-CN" altLang="en-US"/>
-          </a:p>
-        </p:txBody>
-      </p:sp>
-    </p:spTree>
-    <p:extLst>
-      <p:ext uri="{BB962C8B-B14F-4D97-AF65-F5344CB8AC3E}">
-        <p14:creationId xmlns:p14="http://schemas.microsoft.com/office/powerpoint/2010/main" val="2063444556"/>
-      </p:ext>
-    </p:extLst>
-  </p:cSld>
-  <p:clrMapOvr>
-    <a:masterClrMapping/>
-  </p:clrMapOvr>
-</p:notes>
-</file>
-
-<file path=ppt/notesSlides/notesSlide11.xml><?xml version="1.0" encoding="utf-8"?>
 <p:notes xmlns:a="http://schemas.openxmlformats.org/drawingml/2006/main" xmlns:r="http://schemas.openxmlformats.org/officeDocument/2006/relationships" xmlns:p="http://schemas.openxmlformats.org/presentationml/2006/main">
   <p:cSld>
     <p:spTree>
@@ -16309,7 +16338,7 @@
               <a:defRPr/>
             </a:pPr>
             <a:r>
-              <a:rPr kumimoji="0" lang="zh-CN" altLang="en-US" sz="4800" b="1" i="0" u="none" strike="noStrike" kern="1200" cap="none" spc="0" normalizeH="0" baseline="0" noProof="0" dirty="0">
+              <a:rPr kumimoji="0" lang="zh-CN" altLang="en-US" sz="4800" b="1" i="0" u="none" strike="noStrike" kern="1200" cap="none" spc="0" normalizeH="0" baseline="0" noProof="0">
                 <a:ln>
                   <a:noFill/>
                 </a:ln>
@@ -16325,7 +16354,7 @@
               <a:t>第</a:t>
             </a:r>
             <a:r>
-              <a:rPr kumimoji="0" lang="en-US" altLang="zh-CN" sz="4800" b="1" i="0" u="none" strike="noStrike" kern="1200" cap="none" spc="0" normalizeH="0" baseline="0" noProof="0" dirty="0">
+              <a:rPr kumimoji="0" lang="en-US" altLang="zh-CN" sz="4800" b="1" i="0" u="none" strike="noStrike" kern="1200" cap="none" spc="0" normalizeH="0" baseline="0" noProof="0">
                 <a:ln>
                   <a:noFill/>
                 </a:ln>
@@ -16341,22 +16370,6 @@
               <a:t>2</a:t>
             </a:r>
             <a:r>
-              <a:rPr kumimoji="0" lang="zh-CN" altLang="en-US" sz="4800" b="1" i="0" u="none" strike="noStrike" kern="1200" cap="none" spc="0" normalizeH="0" baseline="0" noProof="0" dirty="0">
-                <a:ln>
-                  <a:noFill/>
-                </a:ln>
-                <a:solidFill>
-                  <a:srgbClr val="FF0000"/>
-                </a:solidFill>
-                <a:effectLst/>
-                <a:uLnTx/>
-                <a:uFillTx/>
-                <a:latin typeface="微软雅黑"/>
-                <a:ea typeface="微软雅黑"/>
-              </a:rPr>
-              <a:t>节：栅格数据</a:t>
-            </a:r>
-            <a:r>
               <a:rPr kumimoji="0" lang="zh-CN" altLang="en-US" sz="4800" b="1" i="0" u="none" strike="noStrike" kern="1200" cap="none" spc="0" normalizeH="0" baseline="0" noProof="0">
                 <a:ln>
                   <a:noFill/>
@@ -16370,9 +16383,9 @@
                 <a:latin typeface="微软雅黑"/>
                 <a:ea typeface="微软雅黑"/>
               </a:rPr>
-              <a:t>读写及查看</a:t>
-            </a:r>
-            <a:endParaRPr kumimoji="0" lang="zh-CN" altLang="zh-CN" sz="4800" b="1" i="0" u="none" strike="noStrike" kern="1200" cap="none" spc="0" normalizeH="0" baseline="0" noProof="0" dirty="0">
+              <a:t>节：栅格数据读写及查看</a:t>
+            </a:r>
+            <a:endParaRPr kumimoji="0" lang="zh-CN" altLang="zh-CN" sz="4800" b="1" i="0" u="none" strike="noStrike" kern="1200" cap="none" spc="0" normalizeH="0" baseline="0" noProof="0">
               <a:ln>
                 <a:noFill/>
               </a:ln>
@@ -17136,335 +17149,6 @@
           <a:lstStyle/>
           <a:p>
             <a:r>
-              <a:rPr lang="zh-CN" altLang="en-US" dirty="0">
-                <a:latin typeface="微软雅黑" pitchFamily="34" charset="-122"/>
-                <a:ea typeface="微软雅黑" pitchFamily="34" charset="-122"/>
-              </a:rPr>
-              <a:t>二、</a:t>
-            </a:r>
-            <a:r>
-              <a:rPr lang="en-US" altLang="zh-CN" dirty="0">
-                <a:latin typeface="微软雅黑" pitchFamily="34" charset="-122"/>
-                <a:ea typeface="微软雅黑" pitchFamily="34" charset="-122"/>
-              </a:rPr>
-              <a:t>python</a:t>
-            </a:r>
-            <a:r>
-              <a:rPr lang="zh-CN" altLang="en-US" dirty="0">
-                <a:latin typeface="微软雅黑" pitchFamily="34" charset="-122"/>
-                <a:ea typeface="微软雅黑" pitchFamily="34" charset="-122"/>
-              </a:rPr>
-              <a:t>第三方库调用</a:t>
-            </a:r>
-          </a:p>
-        </p:txBody>
-      </p:sp>
-      <p:sp>
-        <p:nvSpPr>
-          <p:cNvPr id="2" name="TextBox 1">
-            <a:extLst>
-              <a:ext uri="{FF2B5EF4-FFF2-40B4-BE49-F238E27FC236}">
-                <a16:creationId xmlns:a16="http://schemas.microsoft.com/office/drawing/2014/main" id="{631AADB6-C88A-D817-4683-FC087E4E240F}"/>
-              </a:ext>
-            </a:extLst>
-          </p:cNvPr>
-          <p:cNvSpPr txBox="1"/>
-          <p:nvPr/>
-        </p:nvSpPr>
-        <p:spPr>
-          <a:xfrm>
-            <a:off x="317665" y="846748"/>
-            <a:ext cx="8508670" cy="662489"/>
-          </a:xfrm>
-          <a:prstGeom prst="rect">
-            <a:avLst/>
-          </a:prstGeom>
-          <a:noFill/>
-        </p:spPr>
-        <p:txBody>
-          <a:bodyPr wrap="square" rtlCol="0">
-            <a:spAutoFit/>
-          </a:bodyPr>
-          <a:lstStyle/>
-          <a:p>
-            <a:pPr algn="just">
-              <a:lnSpc>
-                <a:spcPct val="150000"/>
-              </a:lnSpc>
-            </a:pPr>
-            <a:r>
-              <a:rPr lang="en-US" altLang="zh-CN" sz="2800" b="1" dirty="0">
-                <a:solidFill>
-                  <a:srgbClr val="333333"/>
-                </a:solidFill>
-                <a:latin typeface="+mn-ea"/>
-                <a:ea typeface="+mn-ea"/>
-              </a:rPr>
-              <a:t>1</a:t>
-            </a:r>
-            <a:r>
-              <a:rPr lang="zh-CN" altLang="en-US" sz="2800" b="1" dirty="0">
-                <a:solidFill>
-                  <a:srgbClr val="333333"/>
-                </a:solidFill>
-                <a:latin typeface="+mn-ea"/>
-                <a:ea typeface="+mn-ea"/>
-              </a:rPr>
-              <a:t>、</a:t>
-            </a:r>
-            <a:r>
-              <a:rPr lang="en-US" altLang="zh-CN" sz="2800" b="1" dirty="0" err="1">
-                <a:solidFill>
-                  <a:srgbClr val="333333"/>
-                </a:solidFill>
-                <a:latin typeface="+mn-ea"/>
-                <a:ea typeface="+mn-ea"/>
-              </a:rPr>
-              <a:t>Geopandas</a:t>
-            </a:r>
-            <a:r>
-              <a:rPr lang="zh-CN" altLang="en-US" sz="2800" b="1" dirty="0">
-                <a:solidFill>
-                  <a:srgbClr val="333333"/>
-                </a:solidFill>
-                <a:latin typeface="+mn-ea"/>
-                <a:ea typeface="+mn-ea"/>
-              </a:rPr>
-              <a:t>开源库</a:t>
-            </a:r>
-            <a:endParaRPr lang="en-US" altLang="zh-CN" sz="2800" b="1" dirty="0">
-              <a:solidFill>
-                <a:srgbClr val="333333"/>
-              </a:solidFill>
-              <a:latin typeface="+mn-ea"/>
-              <a:ea typeface="+mn-ea"/>
-            </a:endParaRPr>
-          </a:p>
-        </p:txBody>
-      </p:sp>
-      <p:sp>
-        <p:nvSpPr>
-          <p:cNvPr id="6" name="TextBox 5">
-            <a:extLst>
-              <a:ext uri="{FF2B5EF4-FFF2-40B4-BE49-F238E27FC236}">
-                <a16:creationId xmlns:a16="http://schemas.microsoft.com/office/drawing/2014/main" id="{6741FEA2-C046-FD82-2800-2CB513792080}"/>
-              </a:ext>
-            </a:extLst>
-          </p:cNvPr>
-          <p:cNvSpPr txBox="1"/>
-          <p:nvPr/>
-        </p:nvSpPr>
-        <p:spPr>
-          <a:xfrm>
-            <a:off x="317664" y="1543372"/>
-            <a:ext cx="8094816" cy="3535712"/>
-          </a:xfrm>
-          <a:prstGeom prst="rect">
-            <a:avLst/>
-          </a:prstGeom>
-          <a:noFill/>
-        </p:spPr>
-        <p:txBody>
-          <a:bodyPr wrap="square">
-            <a:spAutoFit/>
-          </a:bodyPr>
-          <a:lstStyle/>
-          <a:p>
-            <a:pPr algn="l">
-              <a:lnSpc>
-                <a:spcPct val="150000"/>
-              </a:lnSpc>
-            </a:pPr>
-            <a:r>
-              <a:rPr lang="zh-CN" altLang="en-US" b="1" dirty="0">
-                <a:solidFill>
-                  <a:schemeClr val="bg2"/>
-                </a:solidFill>
-                <a:latin typeface="+mn-ea"/>
-                <a:ea typeface="+mn-ea"/>
-              </a:rPr>
-              <a:t>计算面积</a:t>
-            </a:r>
-            <a:r>
-              <a:rPr lang="zh-CN" altLang="en-US" dirty="0">
-                <a:solidFill>
-                  <a:schemeClr val="bg2"/>
-                </a:solidFill>
-                <a:latin typeface="+mn-ea"/>
-                <a:ea typeface="+mn-ea"/>
-              </a:rPr>
-              <a:t>：</a:t>
-            </a:r>
-            <a:r>
-              <a:rPr lang="en-US" altLang="zh-CN" dirty="0" err="1">
-                <a:solidFill>
-                  <a:schemeClr val="bg2"/>
-                </a:solidFill>
-                <a:latin typeface="+mn-ea"/>
-                <a:ea typeface="+mn-ea"/>
-              </a:rPr>
-              <a:t>geopandas.area</a:t>
-            </a:r>
-            <a:endParaRPr lang="en-US" altLang="zh-CN" dirty="0">
-              <a:solidFill>
-                <a:schemeClr val="bg2"/>
-              </a:solidFill>
-              <a:latin typeface="+mn-ea"/>
-              <a:ea typeface="+mn-ea"/>
-            </a:endParaRPr>
-          </a:p>
-          <a:p>
-            <a:pPr algn="l">
-              <a:lnSpc>
-                <a:spcPct val="150000"/>
-              </a:lnSpc>
-            </a:pPr>
-            <a:r>
-              <a:rPr lang="zh-CN" altLang="en-US" b="1" dirty="0">
-                <a:solidFill>
-                  <a:schemeClr val="bg2"/>
-                </a:solidFill>
-                <a:latin typeface="+mn-ea"/>
-                <a:ea typeface="+mn-ea"/>
-              </a:rPr>
-              <a:t>修改</a:t>
-            </a:r>
-            <a:r>
-              <a:rPr lang="en-US" altLang="zh-CN" b="1" dirty="0">
-                <a:solidFill>
-                  <a:schemeClr val="bg2"/>
-                </a:solidFill>
-                <a:latin typeface="+mn-ea"/>
-                <a:ea typeface="+mn-ea"/>
-              </a:rPr>
-              <a:t>/</a:t>
-            </a:r>
-            <a:r>
-              <a:rPr lang="zh-CN" altLang="en-US" b="1" dirty="0">
-                <a:solidFill>
-                  <a:schemeClr val="bg2"/>
-                </a:solidFill>
-                <a:latin typeface="+mn-ea"/>
-                <a:ea typeface="+mn-ea"/>
-              </a:rPr>
-              <a:t>添加属性变量</a:t>
-            </a:r>
-            <a:r>
-              <a:rPr lang="zh-CN" altLang="en-US" dirty="0">
-                <a:solidFill>
-                  <a:schemeClr val="bg2"/>
-                </a:solidFill>
-                <a:latin typeface="+mn-ea"/>
-                <a:ea typeface="+mn-ea"/>
-              </a:rPr>
-              <a:t>：</a:t>
-            </a:r>
-            <a:endParaRPr lang="en-US" altLang="zh-CN" dirty="0">
-              <a:solidFill>
-                <a:schemeClr val="bg2"/>
-              </a:solidFill>
-              <a:latin typeface="+mn-ea"/>
-              <a:ea typeface="+mn-ea"/>
-            </a:endParaRPr>
-          </a:p>
-          <a:p>
-            <a:pPr algn="l">
-              <a:lnSpc>
-                <a:spcPct val="150000"/>
-              </a:lnSpc>
-            </a:pPr>
-            <a:endParaRPr lang="en-US" altLang="zh-CN" dirty="0">
-              <a:solidFill>
-                <a:schemeClr val="bg2"/>
-              </a:solidFill>
-              <a:latin typeface="+mn-ea"/>
-              <a:ea typeface="+mn-ea"/>
-            </a:endParaRPr>
-          </a:p>
-          <a:p>
-            <a:pPr algn="l">
-              <a:lnSpc>
-                <a:spcPct val="150000"/>
-              </a:lnSpc>
-            </a:pPr>
-            <a:endParaRPr lang="en-US" altLang="zh-CN" dirty="0">
-              <a:solidFill>
-                <a:schemeClr val="bg2"/>
-              </a:solidFill>
-              <a:latin typeface="+mn-ea"/>
-              <a:ea typeface="+mn-ea"/>
-            </a:endParaRPr>
-          </a:p>
-          <a:p>
-            <a:pPr algn="l">
-              <a:lnSpc>
-                <a:spcPct val="150000"/>
-              </a:lnSpc>
-            </a:pPr>
-            <a:endParaRPr lang="en-US" altLang="zh-CN" dirty="0">
-              <a:solidFill>
-                <a:schemeClr val="bg2"/>
-              </a:solidFill>
-              <a:latin typeface="+mn-ea"/>
-              <a:ea typeface="+mn-ea"/>
-            </a:endParaRPr>
-          </a:p>
-        </p:txBody>
-      </p:sp>
-    </p:spTree>
-    <p:extLst>
-      <p:ext uri="{BB962C8B-B14F-4D97-AF65-F5344CB8AC3E}">
-        <p14:creationId xmlns:p14="http://schemas.microsoft.com/office/powerpoint/2010/main" val="2446013301"/>
-      </p:ext>
-    </p:extLst>
-  </p:cSld>
-  <p:clrMapOvr>
-    <a:masterClrMapping/>
-  </p:clrMapOvr>
-  <p:transition>
-    <p:fade/>
-  </p:transition>
-</p:sld>
-</file>
-
-<file path=ppt/slides/slide11.xml><?xml version="1.0" encoding="utf-8"?>
-<p:sld xmlns:a="http://schemas.openxmlformats.org/drawingml/2006/main" xmlns:r="http://schemas.openxmlformats.org/officeDocument/2006/relationships" xmlns:p="http://schemas.openxmlformats.org/presentationml/2006/main">
-  <p:cSld>
-    <p:spTree>
-      <p:nvGrpSpPr>
-        <p:cNvPr id="1" name=""/>
-        <p:cNvGrpSpPr/>
-        <p:nvPr/>
-      </p:nvGrpSpPr>
-      <p:grpSpPr>
-        <a:xfrm>
-          <a:off x="0" y="0"/>
-          <a:ext cx="0" cy="0"/>
-          <a:chOff x="0" y="0"/>
-          <a:chExt cx="0" cy="0"/>
-        </a:xfrm>
-      </p:grpSpPr>
-      <p:sp>
-        <p:nvSpPr>
-          <p:cNvPr id="3" name="标题 2"/>
-          <p:cNvSpPr>
-            <a:spLocks noGrp="1"/>
-          </p:cNvSpPr>
-          <p:nvPr>
-            <p:ph type="title"/>
-          </p:nvPr>
-        </p:nvSpPr>
-        <p:spPr>
-          <a:xfrm>
-            <a:off x="0" y="8526"/>
-            <a:ext cx="9013371" cy="792162"/>
-          </a:xfrm>
-        </p:spPr>
-        <p:txBody>
-          <a:bodyPr/>
-          <a:lstStyle/>
-          <a:p>
-            <a:r>
               <a:rPr lang="zh-CN" altLang="en-US">
                 <a:latin typeface="+mn-ea"/>
               </a:rPr>
@@ -17570,7 +17254,7 @@
         <p:spPr>
           <a:xfrm>
             <a:off x="414554" y="1783013"/>
-            <a:ext cx="7967446" cy="4560672"/>
+            <a:ext cx="7967446" cy="3883564"/>
           </a:xfrm>
           <a:prstGeom prst="rect">
             <a:avLst/>
@@ -17615,16 +17299,6 @@
               <a:buAutoNum type="arabicPeriod"/>
             </a:pPr>
             <a:r>
-              <a:rPr lang="zh-CN" altLang="en-US" sz="2200">
-                <a:solidFill>
-                  <a:srgbClr val="333333"/>
-                </a:solidFill>
-                <a:latin typeface="+mn-ea"/>
-                <a:ea typeface="+mn-ea"/>
-              </a:rPr>
-              <a:t>创建本</a:t>
-            </a:r>
-            <a:r>
               <a:rPr lang="zh-CN" altLang="en-US" sz="2200" dirty="0">
                 <a:solidFill>
                   <a:srgbClr val="333333"/>
@@ -17632,7 +17306,87 @@
                 <a:latin typeface="+mn-ea"/>
                 <a:ea typeface="+mn-ea"/>
               </a:rPr>
-              <a:t>学期选课同学矢量数据。属性字段包含同学姓名、性别、出生年份。几何字段为同学家乡所在位置（经度、维度）。</a:t>
+              <a:t>利用</a:t>
+            </a:r>
+            <a:r>
+              <a:rPr lang="en-US" altLang="zh-CN" sz="2200" dirty="0">
+                <a:solidFill>
+                  <a:srgbClr val="333333"/>
+                </a:solidFill>
+                <a:latin typeface="+mn-ea"/>
+                <a:ea typeface="+mn-ea"/>
+              </a:rPr>
+              <a:t>matplotlib</a:t>
+            </a:r>
+            <a:r>
+              <a:rPr lang="zh-CN" altLang="en-US" sz="2200" dirty="0">
+                <a:solidFill>
+                  <a:srgbClr val="333333"/>
+                </a:solidFill>
+                <a:latin typeface="+mn-ea"/>
+                <a:ea typeface="+mn-ea"/>
+              </a:rPr>
+              <a:t>库对遥感影像进行</a:t>
+            </a:r>
+            <a:r>
+              <a:rPr lang="zh-CN" altLang="en-CN" sz="2200" dirty="0">
+                <a:solidFill>
+                  <a:srgbClr val="333333"/>
+                </a:solidFill>
+                <a:latin typeface="+mn-ea"/>
+                <a:ea typeface="+mn-ea"/>
+              </a:rPr>
+              <a:t>假彩色</a:t>
+            </a:r>
+            <a:r>
+              <a:rPr lang="zh-CN" altLang="en-US" sz="2200" dirty="0">
+                <a:solidFill>
+                  <a:srgbClr val="333333"/>
+                </a:solidFill>
+                <a:latin typeface="+mn-ea"/>
+                <a:ea typeface="+mn-ea"/>
+              </a:rPr>
+              <a:t>显示，显示波段组会为：近红外波段</a:t>
+            </a:r>
+            <a:r>
+              <a:rPr lang="en-US" altLang="zh-CN" sz="2200" dirty="0">
+                <a:solidFill>
+                  <a:srgbClr val="333333"/>
+                </a:solidFill>
+                <a:latin typeface="+mn-ea"/>
+                <a:ea typeface="+mn-ea"/>
+              </a:rPr>
+              <a:t>-</a:t>
+            </a:r>
+            <a:r>
+              <a:rPr lang="zh-CN" altLang="en-US" sz="2200" dirty="0">
+                <a:solidFill>
+                  <a:srgbClr val="333333"/>
+                </a:solidFill>
+                <a:latin typeface="+mn-ea"/>
+                <a:ea typeface="+mn-ea"/>
+              </a:rPr>
+              <a:t>红波段</a:t>
+            </a:r>
+            <a:r>
+              <a:rPr lang="en-US" altLang="zh-CN" sz="2200" dirty="0">
+                <a:solidFill>
+                  <a:srgbClr val="333333"/>
+                </a:solidFill>
+                <a:latin typeface="+mn-ea"/>
+                <a:ea typeface="+mn-ea"/>
+              </a:rPr>
+              <a:t>-</a:t>
+            </a:r>
+            <a:r>
+              <a:rPr lang="zh-CN" altLang="en-US" sz="2200" dirty="0">
+                <a:solidFill>
+                  <a:srgbClr val="333333"/>
+                </a:solidFill>
+                <a:latin typeface="+mn-ea"/>
+                <a:ea typeface="+mn-ea"/>
+              </a:rPr>
+              <a:t>绿波段。</a:t>
             </a:r>
             <a:endParaRPr lang="en-US" altLang="zh-CN" sz="2200" dirty="0">
               <a:solidFill>
@@ -17643,11 +17397,10 @@
             </a:endParaRPr>
           </a:p>
           <a:p>
-            <a:pPr marL="457200" indent="-457200" algn="just">
+            <a:pPr algn="just">
               <a:lnSpc>
                 <a:spcPct val="200000"/>
               </a:lnSpc>
-              <a:buAutoNum type="arabicPeriod"/>
             </a:pPr>
             <a:endParaRPr lang="en-US" altLang="zh-CN" sz="2200" dirty="0">
               <a:solidFill>
@@ -17867,7 +17620,7 @@
                 </a:spcAft>
               </a:pPr>
               <a:r>
-                <a:rPr lang="zh-CN" altLang="en-US" sz="3200" b="1" dirty="0">
+                <a:rPr lang="zh-CN" altLang="en-US" sz="3200" b="1">
                   <a:solidFill>
                     <a:schemeClr val="accent1"/>
                   </a:solidFill>
@@ -17879,7 +17632,7 @@
                 </a:rPr>
                 <a:t>栅格数据可视化</a:t>
               </a:r>
-              <a:endParaRPr lang="en-US" altLang="zh-CN" sz="3200" b="1" dirty="0">
+              <a:endParaRPr lang="en-US" altLang="zh-CN" sz="3200" b="1">
                 <a:solidFill>
                   <a:schemeClr val="accent1"/>
                 </a:solidFill>
@@ -18071,7 +17824,7 @@
                 </a:spcAft>
               </a:pPr>
               <a:r>
-                <a:rPr lang="zh-CN" altLang="en-US" sz="3200" b="1" dirty="0">
+                <a:rPr lang="zh-CN" altLang="en-US" sz="3200" b="1">
                   <a:solidFill>
                     <a:schemeClr val="accent1"/>
                   </a:solidFill>
@@ -18148,7 +17901,7 @@
           <a:lstStyle/>
           <a:p>
             <a:pPr algn="l"/>
-            <a:endParaRPr lang="zh-CN" altLang="en-US" b="1" dirty="0">
+            <a:endParaRPr lang="zh-CN" altLang="en-US" b="1">
               <a:solidFill>
                 <a:srgbClr val="FF0000"/>
               </a:solidFill>
@@ -18188,7 +17941,7 @@
               </a:spcAft>
             </a:pPr>
             <a:r>
-              <a:rPr lang="zh-CN" altLang="en-US" sz="4000" b="1" dirty="0">
+              <a:rPr lang="zh-CN" altLang="en-US" sz="4000" b="1">
                 <a:latin typeface="微软雅黑" pitchFamily="34" charset="-122"/>
                 <a:ea typeface="微软雅黑" pitchFamily="34" charset="-122"/>
               </a:rPr>
@@ -18289,7 +18042,7 @@
           <a:lstStyle/>
           <a:p>
             <a:r>
-              <a:rPr lang="zh-CN" altLang="en-US" dirty="0">
+              <a:rPr lang="zh-CN" altLang="en-US">
                 <a:latin typeface="微软雅黑" pitchFamily="34" charset="-122"/>
                 <a:ea typeface="微软雅黑" pitchFamily="34" charset="-122"/>
               </a:rPr>
@@ -18328,7 +18081,7 @@
           <a:p>
             <a:pPr algn="just"/>
             <a:r>
-              <a:rPr lang="en-US" altLang="zh-CN" sz="2800" b="1" dirty="0">
+              <a:rPr lang="en-US" altLang="zh-CN" sz="2800" b="1">
                 <a:solidFill>
                   <a:srgbClr val="333333"/>
                 </a:solidFill>
@@ -18338,7 +18091,7 @@
               <a:t>QGIS</a:t>
             </a:r>
             <a:r>
-              <a:rPr lang="zh-CN" altLang="en-US" sz="2800" b="1" dirty="0">
+              <a:rPr lang="zh-CN" altLang="en-US" sz="2800" b="1">
                 <a:solidFill>
                   <a:srgbClr val="333333"/>
                 </a:solidFill>
@@ -18348,7 +18101,7 @@
               <a:t>软件</a:t>
             </a:r>
             <a:r>
-              <a:rPr lang="en-US" altLang="zh-CN" sz="2800" b="1" dirty="0">
+              <a:rPr lang="en-US" altLang="zh-CN" sz="2800" b="1">
                 <a:solidFill>
                   <a:srgbClr val="333333"/>
                 </a:solidFill>
@@ -18358,7 +18111,7 @@
               <a:t>-</a:t>
             </a:r>
             <a:r>
-              <a:rPr lang="zh-CN" altLang="en-US" sz="2800" b="1" dirty="0">
+              <a:rPr lang="zh-CN" altLang="en-US" sz="2800" b="1">
                 <a:solidFill>
                   <a:srgbClr val="333333"/>
                 </a:solidFill>
@@ -18367,7 +18120,7 @@
               </a:rPr>
               <a:t>读写</a:t>
             </a:r>
-            <a:endParaRPr lang="en-US" altLang="zh-CN" sz="2800" b="1" dirty="0">
+            <a:endParaRPr lang="en-US" altLang="zh-CN" sz="2800" b="1">
               <a:solidFill>
                 <a:srgbClr val="333333"/>
               </a:solidFill>
@@ -18378,7 +18131,7 @@
           <a:p>
             <a:pPr algn="just"/>
             <a:r>
-              <a:rPr lang="zh-CN" altLang="en-US" sz="2800" dirty="0">
+              <a:rPr lang="zh-CN" altLang="en-US" sz="2800">
                 <a:solidFill>
                   <a:srgbClr val="333333"/>
                 </a:solidFill>
@@ -18387,7 +18140,7 @@
               </a:rPr>
               <a:t>读入：将栅格数据拖拽至视图框。</a:t>
             </a:r>
-            <a:endParaRPr lang="en-US" altLang="zh-CN" sz="2800" dirty="0">
+            <a:endParaRPr lang="en-US" altLang="zh-CN" sz="2800">
               <a:solidFill>
                 <a:srgbClr val="333333"/>
               </a:solidFill>
@@ -18398,7 +18151,7 @@
           <a:p>
             <a:pPr algn="just"/>
             <a:r>
-              <a:rPr lang="zh-CN" altLang="en-US" sz="2800" dirty="0">
+              <a:rPr lang="zh-CN" altLang="en-US" sz="2800">
                 <a:solidFill>
                   <a:srgbClr val="333333"/>
                 </a:solidFill>
@@ -18408,7 +18161,7 @@
               <a:t>写出：点击</a:t>
             </a:r>
             <a:r>
-              <a:rPr lang="en-US" altLang="zh-CN" sz="2800" dirty="0">
+              <a:rPr lang="en-US" altLang="zh-CN" sz="2800">
                 <a:solidFill>
                   <a:srgbClr val="333333"/>
                 </a:solidFill>
@@ -18479,6 +18232,47 @@
           </a:prstGeom>
         </p:spPr>
       </p:pic>
+      <p:sp>
+        <p:nvSpPr>
+          <p:cNvPr id="2" name="TextBox 1">
+            <a:extLst>
+              <a:ext uri="{FF2B5EF4-FFF2-40B4-BE49-F238E27FC236}">
+                <a16:creationId xmlns:a16="http://schemas.microsoft.com/office/drawing/2014/main" id="{5FE8BD3C-20E6-5321-6434-BF5E03FF38C3}"/>
+              </a:ext>
+            </a:extLst>
+          </p:cNvPr>
+          <p:cNvSpPr txBox="1"/>
+          <p:nvPr/>
+        </p:nvSpPr>
+        <p:spPr>
+          <a:xfrm>
+            <a:off x="0" y="6349802"/>
+            <a:ext cx="1892985" cy="369332"/>
+          </a:xfrm>
+          <a:prstGeom prst="rect">
+            <a:avLst/>
+          </a:prstGeom>
+          <a:noFill/>
+        </p:spPr>
+        <p:txBody>
+          <a:bodyPr wrap="square" rtlCol="0">
+            <a:spAutoFit/>
+          </a:bodyPr>
+          <a:lstStyle/>
+          <a:p>
+            <a:r>
+              <a:rPr lang="en-CN" sz="1800" dirty="0">
+                <a:solidFill>
+                  <a:schemeClr val="accent2"/>
+                </a:solidFill>
+                <a:latin typeface="+mn-ea"/>
+                <a:ea typeface="+mn-ea"/>
+              </a:rPr>
+              <a:t>… 附操作演示</a:t>
+            </a:r>
+          </a:p>
+        </p:txBody>
+      </p:sp>
     </p:spTree>
     <p:extLst>
       <p:ext uri="{BB962C8B-B14F-4D97-AF65-F5344CB8AC3E}">
@@ -18533,7 +18327,7 @@
           <a:lstStyle/>
           <a:p>
             <a:r>
-              <a:rPr lang="zh-CN" altLang="en-US" dirty="0">
+              <a:rPr lang="zh-CN" altLang="en-US">
                 <a:latin typeface="微软雅黑" pitchFamily="34" charset="-122"/>
                 <a:ea typeface="微软雅黑" pitchFamily="34" charset="-122"/>
               </a:rPr>
@@ -18557,7 +18351,7 @@
         <p:spPr>
           <a:xfrm>
             <a:off x="239287" y="1069851"/>
-            <a:ext cx="8453300" cy="5471498"/>
+            <a:ext cx="8453300" cy="5063694"/>
           </a:xfrm>
           <a:prstGeom prst="rect">
             <a:avLst/>
@@ -18572,7 +18366,7 @@
           <a:p>
             <a:pPr algn="just">
               <a:lnSpc>
-                <a:spcPct val="200000"/>
+                <a:spcPct val="150000"/>
               </a:lnSpc>
             </a:pPr>
             <a:r>
@@ -18599,7 +18393,7 @@
           <a:p>
             <a:pPr algn="just">
               <a:lnSpc>
-                <a:spcPct val="200000"/>
+                <a:spcPct val="150000"/>
               </a:lnSpc>
             </a:pPr>
             <a:r>
@@ -18623,6 +18417,76 @@
               <a:t>Rasterio</a:t>
             </a:r>
             <a:r>
+              <a:rPr lang="zh-CN" altLang="en-US" sz="2800" dirty="0">
+                <a:solidFill>
+                  <a:srgbClr val="333333"/>
+                </a:solidFill>
+                <a:latin typeface="+mn-ea"/>
+                <a:ea typeface="+mn-ea"/>
+              </a:rPr>
+              <a:t>是基于</a:t>
+            </a:r>
+            <a:r>
+              <a:rPr lang="en-US" altLang="zh-CN" sz="2800" b="1" u="sng" dirty="0">
+                <a:solidFill>
+                  <a:srgbClr val="333333"/>
+                </a:solidFill>
+                <a:latin typeface="+mn-ea"/>
+                <a:ea typeface="+mn-ea"/>
+              </a:rPr>
+              <a:t>GDAL</a:t>
+            </a:r>
+            <a:r>
+              <a:rPr lang="zh-CN" altLang="en-US" sz="2800" b="1" u="sng" dirty="0">
+                <a:solidFill>
+                  <a:srgbClr val="333333"/>
+                </a:solidFill>
+                <a:latin typeface="+mn-ea"/>
+                <a:ea typeface="+mn-ea"/>
+              </a:rPr>
+              <a:t>库</a:t>
+            </a:r>
+            <a:r>
+              <a:rPr lang="zh-CN" altLang="en-US" sz="2800" dirty="0">
+                <a:solidFill>
+                  <a:srgbClr val="333333"/>
+                </a:solidFill>
+                <a:latin typeface="+mn-ea"/>
+                <a:ea typeface="+mn-ea"/>
+              </a:rPr>
+              <a:t>开发的一个用于读写栅格数据集的</a:t>
+            </a:r>
+            <a:r>
+              <a:rPr lang="en-US" sz="2800" dirty="0">
+                <a:solidFill>
+                  <a:srgbClr val="333333"/>
+                </a:solidFill>
+                <a:latin typeface="+mn-ea"/>
+                <a:ea typeface="+mn-ea"/>
+              </a:rPr>
+              <a:t>Python</a:t>
+            </a:r>
+            <a:r>
+              <a:rPr lang="zh-CN" altLang="en-US" sz="2800" dirty="0">
+                <a:solidFill>
+                  <a:srgbClr val="333333"/>
+                </a:solidFill>
+                <a:latin typeface="+mn-ea"/>
+                <a:ea typeface="+mn-ea"/>
+              </a:rPr>
+              <a:t>库，它提供了方便的接口来处理各种栅格数据格式，如</a:t>
+            </a:r>
+            <a:r>
+              <a:rPr lang="en-US" sz="2800" dirty="0" err="1">
+                <a:solidFill>
+                  <a:srgbClr val="333333"/>
+                </a:solidFill>
+                <a:latin typeface="+mn-ea"/>
+                <a:ea typeface="+mn-ea"/>
+              </a:rPr>
+              <a:t>GeoTIFF、JPEG、PNG</a:t>
+            </a:r>
+            <a:r>
               <a:rPr lang="en-US" sz="2800" dirty="0">
                 <a:solidFill>
                   <a:srgbClr val="333333"/>
@@ -18640,86 +18504,6 @@
                 <a:latin typeface="+mn-ea"/>
                 <a:ea typeface="+mn-ea"/>
               </a:rPr>
-              <a:t>是基于</a:t>
-            </a:r>
-            <a:r>
-              <a:rPr lang="en-US" altLang="zh-CN" sz="2800" u="sng" dirty="0">
-                <a:solidFill>
-                  <a:srgbClr val="333333"/>
-                </a:solidFill>
-                <a:latin typeface="+mn-ea"/>
-                <a:ea typeface="+mn-ea"/>
-              </a:rPr>
-              <a:t>GDAL</a:t>
-            </a:r>
-            <a:r>
-              <a:rPr lang="zh-CN" altLang="en-US" sz="2800" u="sng" dirty="0">
-                <a:solidFill>
-                  <a:srgbClr val="333333"/>
-                </a:solidFill>
-                <a:latin typeface="+mn-ea"/>
-                <a:ea typeface="+mn-ea"/>
-              </a:rPr>
-              <a:t>库</a:t>
-            </a:r>
-            <a:r>
-              <a:rPr lang="zh-CN" altLang="en-US" sz="2800" dirty="0">
-                <a:solidFill>
-                  <a:srgbClr val="333333"/>
-                </a:solidFill>
-                <a:latin typeface="+mn-ea"/>
-                <a:ea typeface="+mn-ea"/>
-              </a:rPr>
-              <a:t>开发的一个用于读写栅格数据集的</a:t>
-            </a:r>
-            <a:r>
-              <a:rPr lang="en-US" sz="2800" dirty="0">
-                <a:solidFill>
-                  <a:srgbClr val="333333"/>
-                </a:solidFill>
-                <a:latin typeface="+mn-ea"/>
-                <a:ea typeface="+mn-ea"/>
-              </a:rPr>
-              <a:t>Python</a:t>
-            </a:r>
-            <a:r>
-              <a:rPr lang="zh-CN" altLang="en-US" sz="2800" dirty="0">
-                <a:solidFill>
-                  <a:srgbClr val="333333"/>
-                </a:solidFill>
-                <a:latin typeface="+mn-ea"/>
-                <a:ea typeface="+mn-ea"/>
-              </a:rPr>
-              <a:t>库，它提供了方便的接口来处理各种栅格数据格式，如</a:t>
-            </a:r>
-            <a:r>
-              <a:rPr lang="en-US" sz="2800" dirty="0" err="1">
-                <a:solidFill>
-                  <a:srgbClr val="333333"/>
-                </a:solidFill>
-                <a:latin typeface="+mn-ea"/>
-                <a:ea typeface="+mn-ea"/>
-              </a:rPr>
-              <a:t>GeoTIFF、JPEG、PNG</a:t>
-            </a:r>
-            <a:r>
-              <a:rPr lang="en-US" sz="2800" dirty="0">
-                <a:solidFill>
-                  <a:srgbClr val="333333"/>
-                </a:solidFill>
-                <a:latin typeface="+mn-ea"/>
-                <a:ea typeface="+mn-ea"/>
-              </a:rPr>
-              <a:t> </a:t>
-            </a:r>
-            <a:r>
-              <a:rPr lang="zh-CN" altLang="en-US" sz="2800" dirty="0">
-                <a:solidFill>
-                  <a:srgbClr val="333333"/>
-                </a:solidFill>
-                <a:latin typeface="+mn-ea"/>
-                <a:ea typeface="+mn-ea"/>
-              </a:rPr>
               <a:t>等。 </a:t>
             </a:r>
             <a:r>
@@ -18733,16 +18517,6 @@
               <a:t>Rasterio</a:t>
             </a:r>
             <a:r>
-              <a:rPr lang="en-US" sz="2800" dirty="0">
-                <a:solidFill>
-                  <a:srgbClr val="333333"/>
-                </a:solidFill>
-                <a:latin typeface="+mn-ea"/>
-                <a:ea typeface="+mn-ea"/>
-              </a:rPr>
-              <a:t> </a:t>
-            </a:r>
-            <a:r>
               <a:rPr lang="zh-CN" altLang="en-US" sz="2800" dirty="0">
                 <a:solidFill>
                   <a:srgbClr val="333333"/>
@@ -18752,6 +18526,20 @@
               </a:rPr>
               <a:t>能够读取、写入和处理栅格数据，同时还提供了许多空间分析功能。</a:t>
             </a:r>
+            <a:endParaRPr lang="en-US" altLang="zh-CN" sz="2800" dirty="0">
+              <a:solidFill>
+                <a:srgbClr val="333333"/>
+              </a:solidFill>
+              <a:latin typeface="+mn-ea"/>
+              <a:ea typeface="+mn-ea"/>
+            </a:endParaRPr>
+          </a:p>
+          <a:p>
+            <a:pPr algn="just">
+              <a:lnSpc>
+                <a:spcPct val="150000"/>
+              </a:lnSpc>
+            </a:pPr>
             <a:endParaRPr lang="en-US" altLang="zh-CN" sz="2800" dirty="0">
               <a:solidFill>
                 <a:srgbClr val="333333"/>
@@ -18816,7 +18604,7 @@
           <a:lstStyle/>
           <a:p>
             <a:r>
-              <a:rPr lang="zh-CN" altLang="en-US" dirty="0">
+              <a:rPr lang="zh-CN" altLang="en-US">
                 <a:latin typeface="微软雅黑" pitchFamily="34" charset="-122"/>
                 <a:ea typeface="微软雅黑" pitchFamily="34" charset="-122"/>
               </a:rPr>
@@ -19192,7 +18980,7 @@
               </a:spcAft>
             </a:pPr>
             <a:r>
-              <a:rPr lang="zh-CN" altLang="en-US" sz="4000" b="1" dirty="0">
+              <a:rPr lang="zh-CN" altLang="en-US" sz="4000" b="1">
                 <a:latin typeface="微软雅黑" pitchFamily="34" charset="-122"/>
                 <a:ea typeface="微软雅黑" pitchFamily="34" charset="-122"/>
               </a:rPr>
@@ -19293,7 +19081,7 @@
           <a:lstStyle/>
           <a:p>
             <a:r>
-              <a:rPr lang="zh-CN" altLang="en-US" dirty="0">
+              <a:rPr lang="zh-CN" altLang="en-US">
                 <a:latin typeface="微软雅黑" pitchFamily="34" charset="-122"/>
                 <a:ea typeface="微软雅黑" pitchFamily="34" charset="-122"/>
               </a:rPr>
@@ -19332,7 +19120,7 @@
           <a:p>
             <a:pPr algn="just"/>
             <a:r>
-              <a:rPr lang="en-US" altLang="zh-CN" sz="2800" b="1" dirty="0">
+              <a:rPr lang="en-US" altLang="zh-CN" sz="2800" b="1">
                 <a:solidFill>
                   <a:srgbClr val="333333"/>
                 </a:solidFill>
@@ -19342,7 +19130,7 @@
               <a:t>QGIS</a:t>
             </a:r>
             <a:r>
-              <a:rPr lang="zh-CN" altLang="en-US" sz="2800" b="1" dirty="0">
+              <a:rPr lang="zh-CN" altLang="en-US" sz="2800" b="1">
                 <a:solidFill>
                   <a:srgbClr val="333333"/>
                 </a:solidFill>
@@ -19352,7 +19140,7 @@
               <a:t>软件</a:t>
             </a:r>
             <a:r>
-              <a:rPr lang="en-US" altLang="zh-CN" sz="2800" b="1" dirty="0">
+              <a:rPr lang="en-US" altLang="zh-CN" sz="2800" b="1">
                 <a:solidFill>
                   <a:srgbClr val="333333"/>
                 </a:solidFill>
@@ -19362,7 +19150,7 @@
               <a:t>-</a:t>
             </a:r>
             <a:r>
-              <a:rPr lang="zh-CN" altLang="en-US" sz="2800" b="1" dirty="0">
+              <a:rPr lang="zh-CN" altLang="en-US" sz="2800" b="1">
                 <a:solidFill>
                   <a:srgbClr val="333333"/>
                 </a:solidFill>
@@ -19371,7 +19159,7 @@
               </a:rPr>
               <a:t>可视化</a:t>
             </a:r>
-            <a:endParaRPr lang="en-US" altLang="zh-CN" sz="2800" b="1" dirty="0">
+            <a:endParaRPr lang="en-US" altLang="zh-CN" sz="2800" b="1">
               <a:solidFill>
                 <a:srgbClr val="333333"/>
               </a:solidFill>
@@ -19382,7 +19170,7 @@
           <a:p>
             <a:pPr algn="just"/>
             <a:r>
-              <a:rPr lang="zh-CN" altLang="en-US" sz="2800" dirty="0">
+              <a:rPr lang="zh-CN" altLang="en-US" sz="2800">
                 <a:solidFill>
                   <a:srgbClr val="333333"/>
                 </a:solidFill>
@@ -19392,7 +19180,7 @@
               <a:t>点击</a:t>
             </a:r>
             <a:r>
-              <a:rPr lang="en-US" altLang="zh-CN" sz="2800" dirty="0">
+              <a:rPr lang="en-US" altLang="zh-CN" sz="2800">
                 <a:solidFill>
                   <a:srgbClr val="333333"/>
                 </a:solidFill>
@@ -19494,7 +19282,7 @@
           <a:p>
             <a:pPr algn="just"/>
             <a:r>
-              <a:rPr lang="en-US" b="1" dirty="0" err="1">
+              <a:rPr lang="en-US" b="1" err="1">
                 <a:solidFill>
                   <a:schemeClr val="accent2"/>
                 </a:solidFill>
@@ -19504,7 +19292,7 @@
               <a:t>设置波段组会</a:t>
             </a:r>
             <a:r>
-              <a:rPr lang="zh-CN" altLang="en-US" b="1" dirty="0">
+              <a:rPr lang="zh-CN" altLang="en-US" b="1">
                 <a:solidFill>
                   <a:schemeClr val="accent2"/>
                 </a:solidFill>
@@ -19513,7 +19301,7 @@
               </a:rPr>
               <a:t>、波段直方图拉伸等。</a:t>
             </a:r>
-            <a:endParaRPr lang="en-CN" b="1" dirty="0">
+            <a:endParaRPr lang="en-CN" b="1">
               <a:solidFill>
                 <a:schemeClr val="accent2"/>
               </a:solidFill>
@@ -19555,13 +19343,54 @@
           <a:lstStyle/>
           <a:p>
             <a:pPr algn="l"/>
-            <a:endParaRPr lang="en-CN" b="1" dirty="0">
+            <a:endParaRPr lang="en-CN" b="1">
               <a:solidFill>
                 <a:srgbClr val="FF0000"/>
               </a:solidFill>
               <a:latin typeface="微软雅黑" pitchFamily="34" charset="-122"/>
               <a:ea typeface="微软雅黑" pitchFamily="34" charset="-122"/>
             </a:endParaRPr>
+          </a:p>
+        </p:txBody>
+      </p:sp>
+      <p:sp>
+        <p:nvSpPr>
+          <p:cNvPr id="2" name="TextBox 1">
+            <a:extLst>
+              <a:ext uri="{FF2B5EF4-FFF2-40B4-BE49-F238E27FC236}">
+                <a16:creationId xmlns:a16="http://schemas.microsoft.com/office/drawing/2014/main" id="{23E7EDF1-1D74-6866-01CE-D36123EA1FE1}"/>
+              </a:ext>
+            </a:extLst>
+          </p:cNvPr>
+          <p:cNvSpPr txBox="1"/>
+          <p:nvPr/>
+        </p:nvSpPr>
+        <p:spPr>
+          <a:xfrm>
+            <a:off x="0" y="6349802"/>
+            <a:ext cx="1892985" cy="369332"/>
+          </a:xfrm>
+          <a:prstGeom prst="rect">
+            <a:avLst/>
+          </a:prstGeom>
+          <a:noFill/>
+        </p:spPr>
+        <p:txBody>
+          <a:bodyPr wrap="square" rtlCol="0">
+            <a:spAutoFit/>
+          </a:bodyPr>
+          <a:lstStyle/>
+          <a:p>
+            <a:r>
+              <a:rPr lang="en-CN" sz="1800" dirty="0">
+                <a:solidFill>
+                  <a:schemeClr val="accent2"/>
+                </a:solidFill>
+                <a:latin typeface="+mn-ea"/>
+                <a:ea typeface="+mn-ea"/>
+              </a:rPr>
+              <a:t>… 附操作演示</a:t>
+            </a:r>
           </a:p>
         </p:txBody>
       </p:sp>
@@ -19619,7 +19448,7 @@
           <a:lstStyle/>
           <a:p>
             <a:r>
-              <a:rPr lang="zh-CN" altLang="en-US" dirty="0">
+              <a:rPr lang="zh-CN" altLang="en-US">
                 <a:latin typeface="微软雅黑" pitchFamily="34" charset="-122"/>
                 <a:ea typeface="微软雅黑" pitchFamily="34" charset="-122"/>
               </a:rPr>
@@ -19643,7 +19472,7 @@
         <p:spPr>
           <a:xfrm>
             <a:off x="239287" y="1069851"/>
-            <a:ext cx="5367883" cy="1815882"/>
+            <a:ext cx="8552288" cy="4862870"/>
           </a:xfrm>
           <a:prstGeom prst="rect">
             <a:avLst/>
@@ -19658,14 +19487,14 @@
           <a:p>
             <a:pPr algn="just"/>
             <a:r>
-              <a:rPr lang="en-US" altLang="zh-CN" sz="2800" b="1" dirty="0" err="1">
+              <a:rPr lang="en-US" altLang="zh-CN" sz="2800" b="1" dirty="0">
                 <a:solidFill>
                   <a:srgbClr val="333333"/>
                 </a:solidFill>
                 <a:latin typeface="+mn-ea"/>
                 <a:ea typeface="+mn-ea"/>
               </a:rPr>
-              <a:t>Rasterio</a:t>
+              <a:t>Matplotlib</a:t>
             </a:r>
             <a:r>
               <a:rPr lang="zh-CN" altLang="en-US" sz="2800" b="1" dirty="0">
@@ -19679,24 +19508,259 @@
             </a:r>
           </a:p>
           <a:p>
-            <a:pPr algn="just"/>
-            <a:r>
-              <a:rPr lang="zh-CN" altLang="en-US" sz="2800" dirty="0">
+            <a:pPr algn="just">
+              <a:lnSpc>
+                <a:spcPct val="150000"/>
+              </a:lnSpc>
+            </a:pPr>
+            <a:r>
+              <a:rPr lang="en-US" b="1" dirty="0" err="1">
                 <a:solidFill>
                   <a:srgbClr val="333333"/>
                 </a:solidFill>
                 <a:latin typeface="+mn-ea"/>
                 <a:ea typeface="+mn-ea"/>
               </a:rPr>
-              <a:t>简介：</a:t>
-            </a:r>
-            <a:endParaRPr lang="en-US" altLang="zh-CN" sz="2800" dirty="0">
-              <a:solidFill>
-                <a:srgbClr val="333333"/>
-              </a:solidFill>
-              <a:latin typeface="+mn-ea"/>
-              <a:ea typeface="+mn-ea"/>
-            </a:endParaRPr>
+              <a:t>图像显示</a:t>
+            </a:r>
+            <a:r>
+              <a:rPr lang="en-US" dirty="0">
+                <a:solidFill>
+                  <a:srgbClr val="333333"/>
+                </a:solidFill>
+                <a:latin typeface="+mn-ea"/>
+                <a:ea typeface="+mn-ea"/>
+              </a:rPr>
+              <a:t>: </a:t>
+            </a:r>
+            <a:r>
+              <a:rPr lang="en-US" dirty="0" err="1">
+                <a:solidFill>
+                  <a:srgbClr val="333333"/>
+                </a:solidFill>
+                <a:latin typeface="+mn-ea"/>
+                <a:ea typeface="+mn-ea"/>
+              </a:rPr>
+              <a:t>ax.imshow</a:t>
+            </a:r>
+            <a:r>
+              <a:rPr lang="en-US" dirty="0">
+                <a:solidFill>
+                  <a:srgbClr val="333333"/>
+                </a:solidFill>
+                <a:latin typeface="+mn-ea"/>
+                <a:ea typeface="+mn-ea"/>
+              </a:rPr>
+              <a:t>()</a:t>
+            </a:r>
+          </a:p>
+          <a:p>
+            <a:pPr algn="just">
+              <a:lnSpc>
+                <a:spcPct val="150000"/>
+              </a:lnSpc>
+            </a:pPr>
+            <a:r>
+              <a:rPr lang="zh-CN" altLang="en-US" b="1" dirty="0">
+                <a:solidFill>
+                  <a:srgbClr val="333333"/>
+                </a:solidFill>
+                <a:latin typeface="+mn-ea"/>
+                <a:ea typeface="+mn-ea"/>
+              </a:rPr>
+              <a:t>直方图统计</a:t>
+            </a:r>
+            <a:r>
+              <a:rPr lang="zh-CN" altLang="en-US" dirty="0">
+                <a:solidFill>
+                  <a:srgbClr val="333333"/>
+                </a:solidFill>
+                <a:latin typeface="+mn-ea"/>
+                <a:ea typeface="+mn-ea"/>
+              </a:rPr>
+              <a:t>：</a:t>
+            </a:r>
+            <a:r>
+              <a:rPr lang="en-US" altLang="zh-CN" dirty="0" err="1">
+                <a:solidFill>
+                  <a:srgbClr val="333333"/>
+                </a:solidFill>
+                <a:latin typeface="+mn-ea"/>
+                <a:ea typeface="+mn-ea"/>
+              </a:rPr>
+              <a:t>ax.hist</a:t>
+            </a:r>
+            <a:r>
+              <a:rPr lang="en-US" altLang="zh-CN" dirty="0">
+                <a:solidFill>
+                  <a:srgbClr val="333333"/>
+                </a:solidFill>
+                <a:latin typeface="+mn-ea"/>
+                <a:ea typeface="+mn-ea"/>
+              </a:rPr>
+              <a:t>()</a:t>
+            </a:r>
+          </a:p>
+          <a:p>
+            <a:pPr algn="just">
+              <a:lnSpc>
+                <a:spcPct val="150000"/>
+              </a:lnSpc>
+            </a:pPr>
+            <a:r>
+              <a:rPr lang="zh-CN" altLang="en-US" b="1" dirty="0">
+                <a:solidFill>
+                  <a:srgbClr val="333333"/>
+                </a:solidFill>
+                <a:latin typeface="+mn-ea"/>
+                <a:ea typeface="+mn-ea"/>
+              </a:rPr>
+              <a:t>图像拉伸显示</a:t>
+            </a:r>
+            <a:r>
+              <a:rPr lang="zh-CN" altLang="en-US" dirty="0">
+                <a:solidFill>
+                  <a:srgbClr val="333333"/>
+                </a:solidFill>
+                <a:latin typeface="+mn-ea"/>
+                <a:ea typeface="+mn-ea"/>
+              </a:rPr>
+              <a:t>：</a:t>
+            </a:r>
+            <a:r>
+              <a:rPr lang="en-US" altLang="zh-CN" dirty="0" err="1">
+                <a:solidFill>
+                  <a:srgbClr val="333333"/>
+                </a:solidFill>
+                <a:latin typeface="+mn-ea"/>
+                <a:ea typeface="+mn-ea"/>
+              </a:rPr>
+              <a:t>ax.imshow</a:t>
+            </a:r>
+            <a:r>
+              <a:rPr lang="en-US" altLang="zh-CN" dirty="0">
+                <a:solidFill>
+                  <a:srgbClr val="333333"/>
+                </a:solidFill>
+                <a:latin typeface="+mn-ea"/>
+                <a:ea typeface="+mn-ea"/>
+              </a:rPr>
+              <a:t>(</a:t>
+            </a:r>
+            <a:r>
+              <a:rPr lang="en-US" altLang="zh-CN" dirty="0" err="1">
+                <a:solidFill>
+                  <a:srgbClr val="333333"/>
+                </a:solidFill>
+                <a:latin typeface="+mn-ea"/>
+                <a:ea typeface="+mn-ea"/>
+              </a:rPr>
+              <a:t>vmin</a:t>
+            </a:r>
+            <a:r>
+              <a:rPr lang="en-US" altLang="zh-CN" dirty="0">
+                <a:solidFill>
+                  <a:srgbClr val="333333"/>
+                </a:solidFill>
+                <a:latin typeface="+mn-ea"/>
+                <a:ea typeface="+mn-ea"/>
+              </a:rPr>
+              <a:t>=, </a:t>
+            </a:r>
+            <a:r>
+              <a:rPr lang="en-US" altLang="zh-CN" dirty="0" err="1">
+                <a:solidFill>
+                  <a:srgbClr val="333333"/>
+                </a:solidFill>
+                <a:latin typeface="+mn-ea"/>
+                <a:ea typeface="+mn-ea"/>
+              </a:rPr>
+              <a:t>vmax</a:t>
+            </a:r>
+            <a:r>
+              <a:rPr lang="en-US" altLang="zh-CN" dirty="0">
+                <a:solidFill>
+                  <a:srgbClr val="333333"/>
+                </a:solidFill>
+                <a:latin typeface="+mn-ea"/>
+                <a:ea typeface="+mn-ea"/>
+              </a:rPr>
+              <a:t>=)</a:t>
+            </a:r>
+          </a:p>
+          <a:p>
+            <a:pPr algn="just">
+              <a:lnSpc>
+                <a:spcPct val="150000"/>
+              </a:lnSpc>
+            </a:pPr>
+            <a:r>
+              <a:rPr lang="zh-CN" altLang="en-US" b="1" dirty="0">
+                <a:solidFill>
+                  <a:srgbClr val="333333"/>
+                </a:solidFill>
+                <a:latin typeface="+mn-ea"/>
+                <a:ea typeface="+mn-ea"/>
+              </a:rPr>
+              <a:t>图像</a:t>
+            </a:r>
+            <a:r>
+              <a:rPr lang="en-US" altLang="zh-CN" b="1" dirty="0">
+                <a:solidFill>
+                  <a:srgbClr val="333333"/>
+                </a:solidFill>
+                <a:latin typeface="+mn-ea"/>
+                <a:ea typeface="+mn-ea"/>
+              </a:rPr>
+              <a:t>RGB</a:t>
+            </a:r>
+            <a:r>
+              <a:rPr lang="zh-CN" altLang="en-US" b="1" dirty="0">
+                <a:solidFill>
+                  <a:srgbClr val="333333"/>
+                </a:solidFill>
+                <a:latin typeface="+mn-ea"/>
+                <a:ea typeface="+mn-ea"/>
+              </a:rPr>
+              <a:t>彩色显示：</a:t>
+            </a:r>
+            <a:r>
+              <a:rPr lang="en-US" altLang="zh-CN" dirty="0" err="1">
+                <a:solidFill>
+                  <a:srgbClr val="333333"/>
+                </a:solidFill>
+                <a:latin typeface="+mn-ea"/>
+                <a:ea typeface="+mn-ea"/>
+              </a:rPr>
+              <a:t>ax.imshow</a:t>
+            </a:r>
+            <a:r>
+              <a:rPr lang="en-US" altLang="zh-CN" dirty="0">
+                <a:solidFill>
+                  <a:srgbClr val="333333"/>
+                </a:solidFill>
+                <a:latin typeface="+mn-ea"/>
+                <a:ea typeface="+mn-ea"/>
+              </a:rPr>
+              <a:t>(array_3bands)</a:t>
+            </a:r>
+          </a:p>
+          <a:p>
+            <a:pPr algn="just">
+              <a:lnSpc>
+                <a:spcPct val="150000"/>
+              </a:lnSpc>
+            </a:pPr>
+            <a:r>
+              <a:rPr lang="en-US" altLang="zh-CN" dirty="0">
+                <a:solidFill>
+                  <a:srgbClr val="333333"/>
+                </a:solidFill>
+                <a:latin typeface="+mn-ea"/>
+                <a:ea typeface="+mn-ea"/>
+              </a:rPr>
+              <a:t>… </a:t>
+            </a:r>
           </a:p>
           <a:p>
             <a:pPr algn="just"/>
@@ -19707,6 +19771,47 @@
               <a:latin typeface="+mn-ea"/>
               <a:ea typeface="+mn-ea"/>
             </a:endParaRPr>
+          </a:p>
+        </p:txBody>
+      </p:sp>
+      <p:sp>
+        <p:nvSpPr>
+          <p:cNvPr id="2" name="TextBox 1">
+            <a:extLst>
+              <a:ext uri="{FF2B5EF4-FFF2-40B4-BE49-F238E27FC236}">
+                <a16:creationId xmlns:a16="http://schemas.microsoft.com/office/drawing/2014/main" id="{93223DBD-6819-71BF-CDCA-2A5B1C0B1013}"/>
+              </a:ext>
+            </a:extLst>
+          </p:cNvPr>
+          <p:cNvSpPr txBox="1"/>
+          <p:nvPr/>
+        </p:nvSpPr>
+        <p:spPr>
+          <a:xfrm>
+            <a:off x="6200077" y="6233531"/>
+            <a:ext cx="2559415" cy="369332"/>
+          </a:xfrm>
+          <a:prstGeom prst="rect">
+            <a:avLst/>
+          </a:prstGeom>
+          <a:noFill/>
+        </p:spPr>
+        <p:txBody>
+          <a:bodyPr wrap="square" rtlCol="0">
+            <a:spAutoFit/>
+          </a:bodyPr>
+          <a:lstStyle/>
+          <a:p>
+            <a:r>
+              <a:rPr lang="en-CN" sz="1800" dirty="0">
+                <a:solidFill>
+                  <a:schemeClr val="accent2"/>
+                </a:solidFill>
+                <a:latin typeface="+mn-ea"/>
+                <a:ea typeface="+mn-ea"/>
+              </a:rPr>
+              <a:t>… 附代码演示</a:t>
+            </a:r>
           </a:p>
         </p:txBody>
       </p:sp>
